--- a/images/source/RSD_workshop_intro.pptx
+++ b/images/source/RSD_workshop_intro.pptx
@@ -8,8 +8,11 @@
     <p:sldId id="256" r:id="rId2"/>
     <p:sldId id="258" r:id="rId3"/>
     <p:sldId id="257" r:id="rId4"/>
-    <p:sldId id="259" r:id="rId5"/>
+    <p:sldId id="264" r:id="rId5"/>
     <p:sldId id="260" r:id="rId6"/>
+    <p:sldId id="259" r:id="rId7"/>
+    <p:sldId id="263" r:id="rId8"/>
+    <p:sldId id="262" r:id="rId9"/>
   </p:sldIdLst>
   <p:sldSz cx="12192000" cy="6858000"/>
   <p:notesSz cx="6858000" cy="9144000"/>
@@ -263,7 +266,7 @@
           <a:p>
             <a:fld id="{57387CC8-08C5-7742-9EBA-6299A8367D78}" type="datetimeFigureOut">
               <a:rPr lang="en-US" smtClean="0"/>
-              <a:t>7/26/21</a:t>
+              <a:t>8/3/21</a:t>
             </a:fld>
             <a:endParaRPr lang="en-US"/>
           </a:p>
@@ -461,7 +464,7 @@
           <a:p>
             <a:fld id="{57387CC8-08C5-7742-9EBA-6299A8367D78}" type="datetimeFigureOut">
               <a:rPr lang="en-US" smtClean="0"/>
-              <a:t>7/26/21</a:t>
+              <a:t>8/3/21</a:t>
             </a:fld>
             <a:endParaRPr lang="en-US"/>
           </a:p>
@@ -669,7 +672,7 @@
           <a:p>
             <a:fld id="{57387CC8-08C5-7742-9EBA-6299A8367D78}" type="datetimeFigureOut">
               <a:rPr lang="en-US" smtClean="0"/>
-              <a:t>7/26/21</a:t>
+              <a:t>8/3/21</a:t>
             </a:fld>
             <a:endParaRPr lang="en-US"/>
           </a:p>
@@ -867,7 +870,7 @@
           <a:p>
             <a:fld id="{57387CC8-08C5-7742-9EBA-6299A8367D78}" type="datetimeFigureOut">
               <a:rPr lang="en-US" smtClean="0"/>
-              <a:t>7/26/21</a:t>
+              <a:t>8/3/21</a:t>
             </a:fld>
             <a:endParaRPr lang="en-US"/>
           </a:p>
@@ -1142,7 +1145,7 @@
           <a:p>
             <a:fld id="{57387CC8-08C5-7742-9EBA-6299A8367D78}" type="datetimeFigureOut">
               <a:rPr lang="en-US" smtClean="0"/>
-              <a:t>7/26/21</a:t>
+              <a:t>8/3/21</a:t>
             </a:fld>
             <a:endParaRPr lang="en-US"/>
           </a:p>
@@ -1407,7 +1410,7 @@
           <a:p>
             <a:fld id="{57387CC8-08C5-7742-9EBA-6299A8367D78}" type="datetimeFigureOut">
               <a:rPr lang="en-US" smtClean="0"/>
-              <a:t>7/26/21</a:t>
+              <a:t>8/3/21</a:t>
             </a:fld>
             <a:endParaRPr lang="en-US"/>
           </a:p>
@@ -1819,7 +1822,7 @@
           <a:p>
             <a:fld id="{57387CC8-08C5-7742-9EBA-6299A8367D78}" type="datetimeFigureOut">
               <a:rPr lang="en-US" smtClean="0"/>
-              <a:t>7/26/21</a:t>
+              <a:t>8/3/21</a:t>
             </a:fld>
             <a:endParaRPr lang="en-US"/>
           </a:p>
@@ -1960,7 +1963,7 @@
           <a:p>
             <a:fld id="{57387CC8-08C5-7742-9EBA-6299A8367D78}" type="datetimeFigureOut">
               <a:rPr lang="en-US" smtClean="0"/>
-              <a:t>7/26/21</a:t>
+              <a:t>8/3/21</a:t>
             </a:fld>
             <a:endParaRPr lang="en-US"/>
           </a:p>
@@ -2073,7 +2076,7 @@
           <a:p>
             <a:fld id="{57387CC8-08C5-7742-9EBA-6299A8367D78}" type="datetimeFigureOut">
               <a:rPr lang="en-US" smtClean="0"/>
-              <a:t>7/26/21</a:t>
+              <a:t>8/3/21</a:t>
             </a:fld>
             <a:endParaRPr lang="en-US"/>
           </a:p>
@@ -2384,7 +2387,7 @@
           <a:p>
             <a:fld id="{57387CC8-08C5-7742-9EBA-6299A8367D78}" type="datetimeFigureOut">
               <a:rPr lang="en-US" smtClean="0"/>
-              <a:t>7/26/21</a:t>
+              <a:t>8/3/21</a:t>
             </a:fld>
             <a:endParaRPr lang="en-US"/>
           </a:p>
@@ -2672,7 +2675,7 @@
           <a:p>
             <a:fld id="{57387CC8-08C5-7742-9EBA-6299A8367D78}" type="datetimeFigureOut">
               <a:rPr lang="en-US" smtClean="0"/>
-              <a:t>7/26/21</a:t>
+              <a:t>8/3/21</a:t>
             </a:fld>
             <a:endParaRPr lang="en-US"/>
           </a:p>
@@ -2913,7 +2916,7 @@
           <a:p>
             <a:fld id="{57387CC8-08C5-7742-9EBA-6299A8367D78}" type="datetimeFigureOut">
               <a:rPr lang="en-US" smtClean="0"/>
-              <a:t>7/26/21</a:t>
+              <a:t>8/3/21</a:t>
             </a:fld>
             <a:endParaRPr lang="en-US"/>
           </a:p>
@@ -4232,6 +4235,156 @@
           </p:txBody>
         </p:sp>
       </p:grpSp>
+      <p:pic>
+        <p:nvPicPr>
+          <p:cNvPr id="9" name="Picture 8">
+            <a:extLst>
+              <a:ext uri="{FF2B5EF4-FFF2-40B4-BE49-F238E27FC236}">
+                <a16:creationId xmlns:a16="http://schemas.microsoft.com/office/drawing/2014/main" id="{5C8367FF-6DDF-8B44-AFA7-C40FB8B28D8A}"/>
+              </a:ext>
+            </a:extLst>
+          </p:cNvPr>
+          <p:cNvPicPr>
+            <a:picLocks noChangeAspect="1"/>
+          </p:cNvPicPr>
+          <p:nvPr/>
+        </p:nvPicPr>
+        <p:blipFill>
+          <a:blip r:embed="rId4"/>
+          <a:stretch>
+            <a:fillRect/>
+          </a:stretch>
+        </p:blipFill>
+        <p:spPr>
+          <a:xfrm>
+            <a:off x="1262993" y="5885450"/>
+            <a:ext cx="424696" cy="424696"/>
+          </a:xfrm>
+          <a:prstGeom prst="rect">
+            <a:avLst/>
+          </a:prstGeom>
+        </p:spPr>
+      </p:pic>
+      <p:pic>
+        <p:nvPicPr>
+          <p:cNvPr id="11" name="Picture 10">
+            <a:extLst>
+              <a:ext uri="{FF2B5EF4-FFF2-40B4-BE49-F238E27FC236}">
+                <a16:creationId xmlns:a16="http://schemas.microsoft.com/office/drawing/2014/main" id="{09F97C11-E403-6048-8990-E1EBF2A32A94}"/>
+              </a:ext>
+            </a:extLst>
+          </p:cNvPr>
+          <p:cNvPicPr>
+            <a:picLocks noChangeAspect="1"/>
+          </p:cNvPicPr>
+          <p:nvPr/>
+        </p:nvPicPr>
+        <p:blipFill>
+          <a:blip r:embed="rId5"/>
+          <a:stretch>
+            <a:fillRect/>
+          </a:stretch>
+        </p:blipFill>
+        <p:spPr>
+          <a:xfrm>
+            <a:off x="2870199" y="5885551"/>
+            <a:ext cx="424696" cy="442641"/>
+          </a:xfrm>
+          <a:prstGeom prst="rect">
+            <a:avLst/>
+          </a:prstGeom>
+        </p:spPr>
+      </p:pic>
+      <p:pic>
+        <p:nvPicPr>
+          <p:cNvPr id="17" name="Picture 16">
+            <a:extLst>
+              <a:ext uri="{FF2B5EF4-FFF2-40B4-BE49-F238E27FC236}">
+                <a16:creationId xmlns:a16="http://schemas.microsoft.com/office/drawing/2014/main" id="{7AAA78E2-788C-434E-AF45-E451ED3DBAA8}"/>
+              </a:ext>
+            </a:extLst>
+          </p:cNvPr>
+          <p:cNvPicPr>
+            <a:picLocks noChangeAspect="1"/>
+          </p:cNvPicPr>
+          <p:nvPr/>
+        </p:nvPicPr>
+        <p:blipFill>
+          <a:blip r:embed="rId6"/>
+          <a:stretch>
+            <a:fillRect/>
+          </a:stretch>
+        </p:blipFill>
+        <p:spPr>
+          <a:xfrm>
+            <a:off x="2053896" y="5877860"/>
+            <a:ext cx="439864" cy="424696"/>
+          </a:xfrm>
+          <a:prstGeom prst="rect">
+            <a:avLst/>
+          </a:prstGeom>
+        </p:spPr>
+      </p:pic>
+      <p:pic>
+        <p:nvPicPr>
+          <p:cNvPr id="18" name="Picture 17">
+            <a:extLst>
+              <a:ext uri="{FF2B5EF4-FFF2-40B4-BE49-F238E27FC236}">
+                <a16:creationId xmlns:a16="http://schemas.microsoft.com/office/drawing/2014/main" id="{45312E64-04BB-8B4A-816F-F1DE434D2BA6}"/>
+              </a:ext>
+            </a:extLst>
+          </p:cNvPr>
+          <p:cNvPicPr>
+            <a:picLocks noChangeAspect="1"/>
+          </p:cNvPicPr>
+          <p:nvPr/>
+        </p:nvPicPr>
+        <p:blipFill>
+          <a:blip r:embed="rId7"/>
+          <a:stretch>
+            <a:fillRect/>
+          </a:stretch>
+        </p:blipFill>
+        <p:spPr>
+          <a:xfrm>
+            <a:off x="3686502" y="5878286"/>
+            <a:ext cx="424696" cy="424696"/>
+          </a:xfrm>
+          <a:prstGeom prst="rect">
+            <a:avLst/>
+          </a:prstGeom>
+        </p:spPr>
+      </p:pic>
+      <p:pic>
+        <p:nvPicPr>
+          <p:cNvPr id="19" name="Picture 18">
+            <a:extLst>
+              <a:ext uri="{FF2B5EF4-FFF2-40B4-BE49-F238E27FC236}">
+                <a16:creationId xmlns:a16="http://schemas.microsoft.com/office/drawing/2014/main" id="{FA879AFB-521B-AD43-8EB5-25EEF74A6FA0}"/>
+              </a:ext>
+            </a:extLst>
+          </p:cNvPr>
+          <p:cNvPicPr>
+            <a:picLocks noChangeAspect="1"/>
+          </p:cNvPicPr>
+          <p:nvPr/>
+        </p:nvPicPr>
+        <p:blipFill>
+          <a:blip r:embed="rId8"/>
+          <a:stretch>
+            <a:fillRect/>
+          </a:stretch>
+        </p:blipFill>
+        <p:spPr>
+          <a:xfrm>
+            <a:off x="4393653" y="5859814"/>
+            <a:ext cx="450332" cy="450332"/>
+          </a:xfrm>
+          <a:prstGeom prst="rect">
+            <a:avLst/>
+          </a:prstGeom>
+        </p:spPr>
+      </p:pic>
     </p:spTree>
     <p:extLst>
       <p:ext uri="{BB962C8B-B14F-4D97-AF65-F5344CB8AC3E}">
@@ -4262,679 +4415,60 @@
           <a:chExt cx="0" cy="0"/>
         </a:xfrm>
       </p:grpSpPr>
-      <p:grpSp>
-        <p:nvGrpSpPr>
-          <p:cNvPr id="18" name="Group 17">
-            <a:extLst>
-              <a:ext uri="{FF2B5EF4-FFF2-40B4-BE49-F238E27FC236}">
-                <a16:creationId xmlns:a16="http://schemas.microsoft.com/office/drawing/2014/main" id="{F2E6FE6C-D801-F143-9EAD-28496F60D520}"/>
-              </a:ext>
-            </a:extLst>
-          </p:cNvPr>
-          <p:cNvGrpSpPr/>
-          <p:nvPr/>
-        </p:nvGrpSpPr>
-        <p:grpSpPr>
-          <a:xfrm>
-            <a:off x="580767" y="-487350"/>
-            <a:ext cx="10388625" cy="8138803"/>
-            <a:chOff x="580767" y="-487350"/>
-            <a:chExt cx="10388625" cy="8138803"/>
-          </a:xfrm>
-        </p:grpSpPr>
-        <p:pic>
-          <p:nvPicPr>
-            <p:cNvPr id="9" name="Picture 8">
-              <a:extLst>
-                <a:ext uri="{FF2B5EF4-FFF2-40B4-BE49-F238E27FC236}">
-                  <a16:creationId xmlns:a16="http://schemas.microsoft.com/office/drawing/2014/main" id="{F68FF6DB-3E3A-7941-B275-555C53A75683}"/>
-                </a:ext>
-              </a:extLst>
-            </p:cNvPr>
-            <p:cNvPicPr>
-              <a:picLocks noChangeAspect="1"/>
-            </p:cNvPicPr>
-            <p:nvPr/>
-          </p:nvPicPr>
-          <p:blipFill>
-            <a:blip r:embed="rId2"/>
-            <a:stretch>
-              <a:fillRect/>
-            </a:stretch>
-          </p:blipFill>
-          <p:spPr>
-            <a:xfrm>
-              <a:off x="680333" y="775707"/>
-              <a:ext cx="10289059" cy="5254744"/>
-            </a:xfrm>
-            <a:prstGeom prst="rect">
-              <a:avLst/>
-            </a:prstGeom>
-          </p:spPr>
-        </p:pic>
-        <p:sp>
-          <p:nvSpPr>
-            <p:cNvPr id="5" name="Rectangle 4">
-              <a:extLst>
-                <a:ext uri="{FF2B5EF4-FFF2-40B4-BE49-F238E27FC236}">
-                  <a16:creationId xmlns:a16="http://schemas.microsoft.com/office/drawing/2014/main" id="{9FC9ED23-C03E-A84C-9C09-23A1915C6648}"/>
-                </a:ext>
-              </a:extLst>
-            </p:cNvPr>
-            <p:cNvSpPr/>
-            <p:nvPr/>
-          </p:nvSpPr>
-          <p:spPr>
-            <a:xfrm>
-              <a:off x="580767" y="-487350"/>
-              <a:ext cx="10157254" cy="221006"/>
-            </a:xfrm>
-            <a:prstGeom prst="rect">
-              <a:avLst/>
-            </a:prstGeom>
-            <a:solidFill>
-              <a:srgbClr val="FFFFFF"/>
-            </a:solidFill>
-            <a:ln>
-              <a:noFill/>
-            </a:ln>
-          </p:spPr>
-          <p:style>
-            <a:lnRef idx="2">
-              <a:schemeClr val="accent1">
-                <a:shade val="50000"/>
-              </a:schemeClr>
-            </a:lnRef>
-            <a:fillRef idx="1">
-              <a:schemeClr val="accent1"/>
-            </a:fillRef>
-            <a:effectRef idx="0">
-              <a:schemeClr val="accent1"/>
-            </a:effectRef>
-            <a:fontRef idx="minor">
-              <a:schemeClr val="lt1"/>
-            </a:fontRef>
-          </p:style>
-          <p:txBody>
-            <a:bodyPr rtlCol="0" anchor="ctr"/>
-            <a:lstStyle/>
-            <a:p>
-              <a:pPr algn="ctr"/>
-              <a:endParaRPr lang="en-US"/>
-            </a:p>
-          </p:txBody>
-        </p:sp>
-        <p:sp>
-          <p:nvSpPr>
-            <p:cNvPr id="6" name="Rectangle 5">
-              <a:extLst>
-                <a:ext uri="{FF2B5EF4-FFF2-40B4-BE49-F238E27FC236}">
-                  <a16:creationId xmlns:a16="http://schemas.microsoft.com/office/drawing/2014/main" id="{C4A91858-4AAF-5941-90FA-BF68C8EA261B}"/>
-                </a:ext>
-              </a:extLst>
-            </p:cNvPr>
-            <p:cNvSpPr/>
-            <p:nvPr/>
-          </p:nvSpPr>
-          <p:spPr>
-            <a:xfrm>
-              <a:off x="5875282" y="4560530"/>
-              <a:ext cx="4541181" cy="232187"/>
-            </a:xfrm>
-            <a:prstGeom prst="rect">
-              <a:avLst/>
-            </a:prstGeom>
-            <a:pattFill prst="pct75">
-              <a:fgClr>
-                <a:schemeClr val="bg1">
-                  <a:lumMod val="75000"/>
-                </a:schemeClr>
-              </a:fgClr>
-              <a:bgClr>
-                <a:schemeClr val="bg1"/>
-              </a:bgClr>
-            </a:pattFill>
-            <a:ln>
-              <a:noFill/>
-            </a:ln>
-          </p:spPr>
-          <p:style>
-            <a:lnRef idx="2">
-              <a:schemeClr val="accent1">
-                <a:shade val="50000"/>
-              </a:schemeClr>
-            </a:lnRef>
-            <a:fillRef idx="1">
-              <a:schemeClr val="accent1"/>
-            </a:fillRef>
-            <a:effectRef idx="0">
-              <a:schemeClr val="accent1"/>
-            </a:effectRef>
-            <a:fontRef idx="minor">
-              <a:schemeClr val="lt1"/>
-            </a:fontRef>
-          </p:style>
-          <p:txBody>
-            <a:bodyPr rtlCol="0" anchor="ctr"/>
-            <a:lstStyle/>
-            <a:p>
-              <a:pPr algn="ctr"/>
-              <a:endParaRPr lang="en-US"/>
-            </a:p>
-          </p:txBody>
-        </p:sp>
-        <p:sp>
-          <p:nvSpPr>
-            <p:cNvPr id="7" name="Rectangle 6">
-              <a:extLst>
-                <a:ext uri="{FF2B5EF4-FFF2-40B4-BE49-F238E27FC236}">
-                  <a16:creationId xmlns:a16="http://schemas.microsoft.com/office/drawing/2014/main" id="{1DED2A00-D352-714D-9A4B-8E6568531BD5}"/>
-                </a:ext>
-              </a:extLst>
-            </p:cNvPr>
-            <p:cNvSpPr/>
-            <p:nvPr/>
-          </p:nvSpPr>
-          <p:spPr>
-            <a:xfrm>
-              <a:off x="1725116" y="7437838"/>
-              <a:ext cx="4370884" cy="213615"/>
-            </a:xfrm>
-            <a:prstGeom prst="rect">
-              <a:avLst/>
-            </a:prstGeom>
-            <a:pattFill prst="pct75">
-              <a:fgClr>
-                <a:schemeClr val="bg1">
-                  <a:lumMod val="75000"/>
-                </a:schemeClr>
-              </a:fgClr>
-              <a:bgClr>
-                <a:schemeClr val="bg1"/>
-              </a:bgClr>
-            </a:pattFill>
-            <a:ln>
-              <a:solidFill>
-                <a:schemeClr val="bg1">
-                  <a:lumMod val="65000"/>
-                </a:schemeClr>
-              </a:solidFill>
-            </a:ln>
-          </p:spPr>
-          <p:style>
-            <a:lnRef idx="2">
-              <a:schemeClr val="accent1">
-                <a:shade val="50000"/>
-              </a:schemeClr>
-            </a:lnRef>
-            <a:fillRef idx="1">
-              <a:schemeClr val="accent1"/>
-            </a:fillRef>
-            <a:effectRef idx="0">
-              <a:schemeClr val="accent1"/>
-            </a:effectRef>
-            <a:fontRef idx="minor">
-              <a:schemeClr val="lt1"/>
-            </a:fontRef>
-          </p:style>
-          <p:txBody>
-            <a:bodyPr rtlCol="0" anchor="ctr"/>
-            <a:lstStyle/>
-            <a:p>
-              <a:pPr algn="ctr"/>
-              <a:endParaRPr lang="en-US"/>
-            </a:p>
-          </p:txBody>
-        </p:sp>
-        <p:sp>
-          <p:nvSpPr>
-            <p:cNvPr id="8" name="Rectangle 7">
-              <a:extLst>
-                <a:ext uri="{FF2B5EF4-FFF2-40B4-BE49-F238E27FC236}">
-                  <a16:creationId xmlns:a16="http://schemas.microsoft.com/office/drawing/2014/main" id="{40A75BDE-6742-914E-8BFA-1D172FEED58B}"/>
-                </a:ext>
-              </a:extLst>
-            </p:cNvPr>
-            <p:cNvSpPr/>
-            <p:nvPr/>
-          </p:nvSpPr>
-          <p:spPr>
-            <a:xfrm>
-              <a:off x="680333" y="1304841"/>
-              <a:ext cx="10289059" cy="232188"/>
-            </a:xfrm>
-            <a:prstGeom prst="rect">
-              <a:avLst/>
-            </a:prstGeom>
-            <a:solidFill>
-              <a:srgbClr val="FFFFFF"/>
-            </a:solidFill>
-            <a:ln>
-              <a:noFill/>
-            </a:ln>
-          </p:spPr>
-          <p:style>
-            <a:lnRef idx="2">
-              <a:schemeClr val="accent1">
-                <a:shade val="50000"/>
-              </a:schemeClr>
-            </a:lnRef>
-            <a:fillRef idx="1">
-              <a:schemeClr val="accent1"/>
-            </a:fillRef>
-            <a:effectRef idx="0">
-              <a:schemeClr val="accent1"/>
-            </a:effectRef>
-            <a:fontRef idx="minor">
-              <a:schemeClr val="lt1"/>
-            </a:fontRef>
-          </p:style>
-          <p:txBody>
-            <a:bodyPr rtlCol="0" anchor="ctr"/>
-            <a:lstStyle/>
-            <a:p>
-              <a:pPr algn="ctr"/>
-              <a:endParaRPr lang="en-US"/>
-            </a:p>
-          </p:txBody>
-        </p:sp>
-        <p:sp>
-          <p:nvSpPr>
-            <p:cNvPr id="10" name="Rectangle 9">
-              <a:extLst>
-                <a:ext uri="{FF2B5EF4-FFF2-40B4-BE49-F238E27FC236}">
-                  <a16:creationId xmlns:a16="http://schemas.microsoft.com/office/drawing/2014/main" id="{094011F7-363F-1A44-8E04-8B598E99AB18}"/>
-                </a:ext>
-              </a:extLst>
-            </p:cNvPr>
-            <p:cNvSpPr/>
-            <p:nvPr/>
-          </p:nvSpPr>
-          <p:spPr>
-            <a:xfrm>
-              <a:off x="5875282" y="3508556"/>
-              <a:ext cx="4541181" cy="232187"/>
-            </a:xfrm>
-            <a:prstGeom prst="rect">
-              <a:avLst/>
-            </a:prstGeom>
-            <a:pattFill prst="pct75">
-              <a:fgClr>
-                <a:schemeClr val="bg1">
-                  <a:lumMod val="75000"/>
-                </a:schemeClr>
-              </a:fgClr>
-              <a:bgClr>
-                <a:schemeClr val="bg1"/>
-              </a:bgClr>
-            </a:pattFill>
-            <a:ln>
-              <a:noFill/>
-            </a:ln>
-          </p:spPr>
-          <p:style>
-            <a:lnRef idx="2">
-              <a:schemeClr val="accent1">
-                <a:shade val="50000"/>
-              </a:schemeClr>
-            </a:lnRef>
-            <a:fillRef idx="1">
-              <a:schemeClr val="accent1"/>
-            </a:fillRef>
-            <a:effectRef idx="0">
-              <a:schemeClr val="accent1"/>
-            </a:effectRef>
-            <a:fontRef idx="minor">
-              <a:schemeClr val="lt1"/>
-            </a:fontRef>
-          </p:style>
-          <p:txBody>
-            <a:bodyPr rtlCol="0" anchor="ctr"/>
-            <a:lstStyle/>
-            <a:p>
-              <a:pPr algn="ctr"/>
-              <a:endParaRPr lang="en-US"/>
-            </a:p>
-          </p:txBody>
-        </p:sp>
-        <p:sp>
-          <p:nvSpPr>
-            <p:cNvPr id="11" name="Rectangle 10">
-              <a:extLst>
-                <a:ext uri="{FF2B5EF4-FFF2-40B4-BE49-F238E27FC236}">
-                  <a16:creationId xmlns:a16="http://schemas.microsoft.com/office/drawing/2014/main" id="{D1FFDBF1-B847-CB4B-9071-A78F17B9B6A5}"/>
-                </a:ext>
-              </a:extLst>
-            </p:cNvPr>
-            <p:cNvSpPr/>
-            <p:nvPr/>
-          </p:nvSpPr>
-          <p:spPr>
-            <a:xfrm>
-              <a:off x="809297" y="5675586"/>
-              <a:ext cx="4340772" cy="346838"/>
-            </a:xfrm>
-            <a:prstGeom prst="rect">
-              <a:avLst/>
-            </a:prstGeom>
-            <a:solidFill>
-              <a:srgbClr val="3F0D40"/>
-            </a:solidFill>
-            <a:ln>
-              <a:noFill/>
-            </a:ln>
-          </p:spPr>
-          <p:style>
-            <a:lnRef idx="2">
-              <a:schemeClr val="accent1">
-                <a:shade val="50000"/>
-              </a:schemeClr>
-            </a:lnRef>
-            <a:fillRef idx="1">
-              <a:schemeClr val="accent1"/>
-            </a:fillRef>
-            <a:effectRef idx="0">
-              <a:schemeClr val="accent1"/>
-            </a:effectRef>
-            <a:fontRef idx="minor">
-              <a:schemeClr val="lt1"/>
-            </a:fontRef>
-          </p:style>
-          <p:txBody>
-            <a:bodyPr rtlCol="0" anchor="ctr"/>
-            <a:lstStyle/>
-            <a:p>
-              <a:r>
-                <a:rPr lang="en-US" dirty="0"/>
-                <a:t>…</a:t>
-              </a:r>
-            </a:p>
-          </p:txBody>
-        </p:sp>
-        <p:sp>
-          <p:nvSpPr>
-            <p:cNvPr id="12" name="Rectangle 11">
-              <a:extLst>
-                <a:ext uri="{FF2B5EF4-FFF2-40B4-BE49-F238E27FC236}">
-                  <a16:creationId xmlns:a16="http://schemas.microsoft.com/office/drawing/2014/main" id="{C8190C8E-9B14-DF4A-908A-036551E96218}"/>
-                </a:ext>
-              </a:extLst>
-            </p:cNvPr>
-            <p:cNvSpPr/>
-            <p:nvPr/>
-          </p:nvSpPr>
-          <p:spPr>
-            <a:xfrm>
-              <a:off x="809297" y="3604102"/>
-              <a:ext cx="4340772" cy="346838"/>
-            </a:xfrm>
-            <a:prstGeom prst="rect">
-              <a:avLst/>
-            </a:prstGeom>
-            <a:solidFill>
-              <a:srgbClr val="3F0D40"/>
-            </a:solidFill>
-            <a:ln>
-              <a:noFill/>
-            </a:ln>
-          </p:spPr>
-          <p:style>
-            <a:lnRef idx="2">
-              <a:schemeClr val="accent1">
-                <a:shade val="50000"/>
-              </a:schemeClr>
-            </a:lnRef>
-            <a:fillRef idx="1">
-              <a:schemeClr val="accent1"/>
-            </a:fillRef>
-            <a:effectRef idx="0">
-              <a:schemeClr val="accent1"/>
-            </a:effectRef>
-            <a:fontRef idx="minor">
-              <a:schemeClr val="lt1"/>
-            </a:fontRef>
-          </p:style>
-          <p:txBody>
-            <a:bodyPr rtlCol="0" anchor="ctr"/>
-            <a:lstStyle/>
-            <a:p>
-              <a:endParaRPr lang="en-US" dirty="0"/>
-            </a:p>
-          </p:txBody>
-        </p:sp>
-        <p:sp>
-          <p:nvSpPr>
-            <p:cNvPr id="13" name="Rectangle 12">
-              <a:extLst>
-                <a:ext uri="{FF2B5EF4-FFF2-40B4-BE49-F238E27FC236}">
-                  <a16:creationId xmlns:a16="http://schemas.microsoft.com/office/drawing/2014/main" id="{A53836C1-4837-8340-A138-E863119C64ED}"/>
-                </a:ext>
-              </a:extLst>
-            </p:cNvPr>
-            <p:cNvSpPr/>
-            <p:nvPr/>
-          </p:nvSpPr>
-          <p:spPr>
-            <a:xfrm>
-              <a:off x="809297" y="4277770"/>
-              <a:ext cx="4340772" cy="346838"/>
-            </a:xfrm>
-            <a:prstGeom prst="rect">
-              <a:avLst/>
-            </a:prstGeom>
-            <a:solidFill>
-              <a:srgbClr val="3F0D40"/>
-            </a:solidFill>
-            <a:ln>
-              <a:noFill/>
-            </a:ln>
-          </p:spPr>
-          <p:style>
-            <a:lnRef idx="2">
-              <a:schemeClr val="accent1">
-                <a:shade val="50000"/>
-              </a:schemeClr>
-            </a:lnRef>
-            <a:fillRef idx="1">
-              <a:schemeClr val="accent1"/>
-            </a:fillRef>
-            <a:effectRef idx="0">
-              <a:schemeClr val="accent1"/>
-            </a:effectRef>
-            <a:fontRef idx="minor">
-              <a:schemeClr val="lt1"/>
-            </a:fontRef>
-          </p:style>
-          <p:txBody>
-            <a:bodyPr rtlCol="0" anchor="ctr"/>
-            <a:lstStyle/>
-            <a:p>
-              <a:endParaRPr lang="en-US" dirty="0"/>
-            </a:p>
-          </p:txBody>
-        </p:sp>
-        <p:sp>
-          <p:nvSpPr>
-            <p:cNvPr id="14" name="Oval 13">
-              <a:extLst>
-                <a:ext uri="{FF2B5EF4-FFF2-40B4-BE49-F238E27FC236}">
-                  <a16:creationId xmlns:a16="http://schemas.microsoft.com/office/drawing/2014/main" id="{FA042039-2F77-6348-BFDC-54FAE178CF28}"/>
-                </a:ext>
-              </a:extLst>
-            </p:cNvPr>
-            <p:cNvSpPr/>
-            <p:nvPr/>
-          </p:nvSpPr>
-          <p:spPr>
-            <a:xfrm>
-              <a:off x="2647187" y="3499025"/>
-              <a:ext cx="420414" cy="396246"/>
-            </a:xfrm>
-            <a:prstGeom prst="ellipse">
-              <a:avLst/>
-            </a:prstGeom>
-          </p:spPr>
-          <p:style>
-            <a:lnRef idx="2">
-              <a:schemeClr val="accent1">
-                <a:shade val="50000"/>
-              </a:schemeClr>
-            </a:lnRef>
-            <a:fillRef idx="1">
-              <a:schemeClr val="accent1"/>
-            </a:fillRef>
-            <a:effectRef idx="0">
-              <a:schemeClr val="accent1"/>
-            </a:effectRef>
-            <a:fontRef idx="minor">
-              <a:schemeClr val="lt1"/>
-            </a:fontRef>
-          </p:style>
-          <p:txBody>
-            <a:bodyPr rtlCol="0" anchor="ctr"/>
-            <a:lstStyle/>
-            <a:p>
-              <a:pPr algn="ctr"/>
-              <a:r>
-                <a:rPr lang="en-US" dirty="0"/>
-                <a:t>1</a:t>
-              </a:r>
-            </a:p>
-          </p:txBody>
-        </p:sp>
-        <p:sp>
-          <p:nvSpPr>
-            <p:cNvPr id="15" name="Oval 14">
-              <a:extLst>
-                <a:ext uri="{FF2B5EF4-FFF2-40B4-BE49-F238E27FC236}">
-                  <a16:creationId xmlns:a16="http://schemas.microsoft.com/office/drawing/2014/main" id="{549451FE-A7D6-E046-AF30-BBD2C880E213}"/>
-                </a:ext>
-              </a:extLst>
-            </p:cNvPr>
-            <p:cNvSpPr/>
-            <p:nvPr/>
-          </p:nvSpPr>
-          <p:spPr>
-            <a:xfrm>
-              <a:off x="5303108" y="4797038"/>
-              <a:ext cx="420414" cy="396246"/>
-            </a:xfrm>
-            <a:prstGeom prst="ellipse">
-              <a:avLst/>
-            </a:prstGeom>
-          </p:spPr>
-          <p:style>
-            <a:lnRef idx="2">
-              <a:schemeClr val="accent1">
-                <a:shade val="50000"/>
-              </a:schemeClr>
-            </a:lnRef>
-            <a:fillRef idx="1">
-              <a:schemeClr val="accent1"/>
-            </a:fillRef>
-            <a:effectRef idx="0">
-              <a:schemeClr val="accent1"/>
-            </a:effectRef>
-            <a:fontRef idx="minor">
-              <a:schemeClr val="lt1"/>
-            </a:fontRef>
-          </p:style>
-          <p:txBody>
-            <a:bodyPr rtlCol="0" anchor="ctr"/>
-            <a:lstStyle/>
-            <a:p>
-              <a:pPr algn="ctr"/>
-              <a:r>
-                <a:rPr lang="en-US" dirty="0"/>
-                <a:t>2</a:t>
-              </a:r>
-            </a:p>
-          </p:txBody>
-        </p:sp>
-        <p:sp>
-          <p:nvSpPr>
-            <p:cNvPr id="16" name="Oval 15">
-              <a:extLst>
-                <a:ext uri="{FF2B5EF4-FFF2-40B4-BE49-F238E27FC236}">
-                  <a16:creationId xmlns:a16="http://schemas.microsoft.com/office/drawing/2014/main" id="{13EDE0AA-CBBB-5B4E-9A79-6FF60CD2A8E0}"/>
-                </a:ext>
-              </a:extLst>
-            </p:cNvPr>
-            <p:cNvSpPr/>
-            <p:nvPr/>
-          </p:nvSpPr>
-          <p:spPr>
-            <a:xfrm>
-              <a:off x="10101080" y="5849005"/>
-              <a:ext cx="420414" cy="396246"/>
-            </a:xfrm>
-            <a:prstGeom prst="ellipse">
-              <a:avLst/>
-            </a:prstGeom>
-          </p:spPr>
-          <p:style>
-            <a:lnRef idx="2">
-              <a:schemeClr val="accent1">
-                <a:shade val="50000"/>
-              </a:schemeClr>
-            </a:lnRef>
-            <a:fillRef idx="1">
-              <a:schemeClr val="accent1"/>
-            </a:fillRef>
-            <a:effectRef idx="0">
-              <a:schemeClr val="accent1"/>
-            </a:effectRef>
-            <a:fontRef idx="minor">
-              <a:schemeClr val="lt1"/>
-            </a:fontRef>
-          </p:style>
-          <p:txBody>
-            <a:bodyPr rtlCol="0" anchor="ctr"/>
-            <a:lstStyle/>
-            <a:p>
-              <a:pPr algn="ctr"/>
-              <a:r>
-                <a:rPr lang="en-US" dirty="0"/>
-                <a:t>3</a:t>
-              </a:r>
-            </a:p>
-          </p:txBody>
-        </p:sp>
-        <p:pic>
-          <p:nvPicPr>
-            <p:cNvPr id="17" name="Picture 16">
-              <a:extLst>
-                <a:ext uri="{FF2B5EF4-FFF2-40B4-BE49-F238E27FC236}">
-                  <a16:creationId xmlns:a16="http://schemas.microsoft.com/office/drawing/2014/main" id="{BADCC070-A8D5-C54F-A677-DA1219C9B6AA}"/>
-                </a:ext>
-              </a:extLst>
-            </p:cNvPr>
-            <p:cNvPicPr>
-              <a:picLocks noChangeAspect="1"/>
-            </p:cNvPicPr>
-            <p:nvPr/>
-          </p:nvPicPr>
-          <p:blipFill>
-            <a:blip r:embed="rId3"/>
-            <a:stretch>
-              <a:fillRect/>
-            </a:stretch>
-          </p:blipFill>
-          <p:spPr>
-            <a:xfrm>
-              <a:off x="9935074" y="5365487"/>
-              <a:ext cx="823968" cy="468361"/>
-            </a:xfrm>
-            <a:prstGeom prst="rect">
-              <a:avLst/>
-            </a:prstGeom>
-          </p:spPr>
-        </p:pic>
-      </p:grpSp>
+      <p:sp>
+        <p:nvSpPr>
+          <p:cNvPr id="2" name="Title 1">
+            <a:extLst>
+              <a:ext uri="{FF2B5EF4-FFF2-40B4-BE49-F238E27FC236}">
+                <a16:creationId xmlns:a16="http://schemas.microsoft.com/office/drawing/2014/main" id="{1DC7EF55-7121-1F45-8ADC-F303AED6C982}"/>
+              </a:ext>
+            </a:extLst>
+          </p:cNvPr>
+          <p:cNvSpPr>
+            <a:spLocks noGrp="1"/>
+          </p:cNvSpPr>
+          <p:nvPr>
+            <p:ph type="title"/>
+          </p:nvPr>
+        </p:nvSpPr>
+        <p:spPr/>
+        <p:txBody>
+          <a:bodyPr/>
+          <a:lstStyle/>
+          <a:p>
+            <a:endParaRPr lang="en-US"/>
+          </a:p>
+        </p:txBody>
+      </p:sp>
+      <p:sp>
+        <p:nvSpPr>
+          <p:cNvPr id="3" name="Content Placeholder 2">
+            <a:extLst>
+              <a:ext uri="{FF2B5EF4-FFF2-40B4-BE49-F238E27FC236}">
+                <a16:creationId xmlns:a16="http://schemas.microsoft.com/office/drawing/2014/main" id="{5ECF3498-F224-6346-A088-9C81AC6816E1}"/>
+              </a:ext>
+            </a:extLst>
+          </p:cNvPr>
+          <p:cNvSpPr>
+            <a:spLocks noGrp="1"/>
+          </p:cNvSpPr>
+          <p:nvPr>
+            <p:ph idx="1"/>
+          </p:nvPr>
+        </p:nvSpPr>
+        <p:spPr/>
+        <p:txBody>
+          <a:bodyPr/>
+          <a:lstStyle/>
+          <a:p>
+            <a:endParaRPr lang="en-US" dirty="0"/>
+          </a:p>
+        </p:txBody>
+      </p:sp>
     </p:spTree>
     <p:extLst>
       <p:ext uri="{BB962C8B-B14F-4D97-AF65-F5344CB8AC3E}">
-        <p14:creationId xmlns:p14="http://schemas.microsoft.com/office/powerpoint/2010/main" val="787587661"/>
+        <p14:creationId xmlns:p14="http://schemas.microsoft.com/office/powerpoint/2010/main" val="884689961"/>
       </p:ext>
     </p:extLst>
   </p:cSld>
@@ -5068,6 +4602,912 @@
     <p:extLst>
       <p:ext uri="{BB962C8B-B14F-4D97-AF65-F5344CB8AC3E}">
         <p14:creationId xmlns:p14="http://schemas.microsoft.com/office/powerpoint/2010/main" val="3432168347"/>
+      </p:ext>
+    </p:extLst>
+  </p:cSld>
+  <p:clrMapOvr>
+    <a:masterClrMapping/>
+  </p:clrMapOvr>
+</p:sld>
+</file>
+
+<file path=ppt/slides/slide6.xml><?xml version="1.0" encoding="utf-8"?>
+<p:sld xmlns:a="http://schemas.openxmlformats.org/drawingml/2006/main" xmlns:r="http://schemas.openxmlformats.org/officeDocument/2006/relationships" xmlns:p="http://schemas.openxmlformats.org/presentationml/2006/main">
+  <p:cSld>
+    <p:spTree>
+      <p:nvGrpSpPr>
+        <p:cNvPr id="1" name=""/>
+        <p:cNvGrpSpPr/>
+        <p:nvPr/>
+      </p:nvGrpSpPr>
+      <p:grpSpPr>
+        <a:xfrm>
+          <a:off x="0" y="0"/>
+          <a:ext cx="0" cy="0"/>
+          <a:chOff x="0" y="0"/>
+          <a:chExt cx="0" cy="0"/>
+        </a:xfrm>
+      </p:grpSpPr>
+      <p:grpSp>
+        <p:nvGrpSpPr>
+          <p:cNvPr id="4" name="Group 3">
+            <a:extLst>
+              <a:ext uri="{FF2B5EF4-FFF2-40B4-BE49-F238E27FC236}">
+                <a16:creationId xmlns:a16="http://schemas.microsoft.com/office/drawing/2014/main" id="{64C43946-9948-DA4D-B71B-90D61AAADED5}"/>
+              </a:ext>
+            </a:extLst>
+          </p:cNvPr>
+          <p:cNvGrpSpPr/>
+          <p:nvPr/>
+        </p:nvGrpSpPr>
+        <p:grpSpPr>
+          <a:xfrm>
+            <a:off x="0" y="-487350"/>
+            <a:ext cx="12192000" cy="7345350"/>
+            <a:chOff x="0" y="-487350"/>
+            <a:chExt cx="12192000" cy="7345350"/>
+          </a:xfrm>
+        </p:grpSpPr>
+        <p:pic>
+          <p:nvPicPr>
+            <p:cNvPr id="19" name="Picture 18">
+              <a:extLst>
+                <a:ext uri="{FF2B5EF4-FFF2-40B4-BE49-F238E27FC236}">
+                  <a16:creationId xmlns:a16="http://schemas.microsoft.com/office/drawing/2014/main" id="{C634DA2C-126E-BF46-BFB5-AE651DA5C334}"/>
+                </a:ext>
+              </a:extLst>
+            </p:cNvPr>
+            <p:cNvPicPr>
+              <a:picLocks noChangeAspect="1"/>
+            </p:cNvPicPr>
+            <p:nvPr/>
+          </p:nvPicPr>
+          <p:blipFill>
+            <a:blip r:embed="rId2"/>
+            <a:stretch>
+              <a:fillRect/>
+            </a:stretch>
+          </p:blipFill>
+          <p:spPr>
+            <a:xfrm>
+              <a:off x="0" y="6009"/>
+              <a:ext cx="12192000" cy="6851991"/>
+            </a:xfrm>
+            <a:prstGeom prst="rect">
+              <a:avLst/>
+            </a:prstGeom>
+          </p:spPr>
+        </p:pic>
+        <p:sp>
+          <p:nvSpPr>
+            <p:cNvPr id="5" name="Rectangle 4">
+              <a:extLst>
+                <a:ext uri="{FF2B5EF4-FFF2-40B4-BE49-F238E27FC236}">
+                  <a16:creationId xmlns:a16="http://schemas.microsoft.com/office/drawing/2014/main" id="{9FC9ED23-C03E-A84C-9C09-23A1915C6648}"/>
+                </a:ext>
+              </a:extLst>
+            </p:cNvPr>
+            <p:cNvSpPr/>
+            <p:nvPr/>
+          </p:nvSpPr>
+          <p:spPr>
+            <a:xfrm>
+              <a:off x="580767" y="-487350"/>
+              <a:ext cx="10157254" cy="221006"/>
+            </a:xfrm>
+            <a:prstGeom prst="rect">
+              <a:avLst/>
+            </a:prstGeom>
+            <a:solidFill>
+              <a:srgbClr val="FFFFFF"/>
+            </a:solidFill>
+            <a:ln>
+              <a:noFill/>
+            </a:ln>
+          </p:spPr>
+          <p:style>
+            <a:lnRef idx="2">
+              <a:schemeClr val="accent1">
+                <a:shade val="50000"/>
+              </a:schemeClr>
+            </a:lnRef>
+            <a:fillRef idx="1">
+              <a:schemeClr val="accent1"/>
+            </a:fillRef>
+            <a:effectRef idx="0">
+              <a:schemeClr val="accent1"/>
+            </a:effectRef>
+            <a:fontRef idx="minor">
+              <a:schemeClr val="lt1"/>
+            </a:fontRef>
+          </p:style>
+          <p:txBody>
+            <a:bodyPr rtlCol="0" anchor="ctr"/>
+            <a:lstStyle/>
+            <a:p>
+              <a:pPr algn="ctr"/>
+              <a:endParaRPr lang="en-US"/>
+            </a:p>
+          </p:txBody>
+        </p:sp>
+        <p:sp>
+          <p:nvSpPr>
+            <p:cNvPr id="8" name="Rectangle 7">
+              <a:extLst>
+                <a:ext uri="{FF2B5EF4-FFF2-40B4-BE49-F238E27FC236}">
+                  <a16:creationId xmlns:a16="http://schemas.microsoft.com/office/drawing/2014/main" id="{40A75BDE-6742-914E-8BFA-1D172FEED58B}"/>
+                </a:ext>
+              </a:extLst>
+            </p:cNvPr>
+            <p:cNvSpPr/>
+            <p:nvPr/>
+          </p:nvSpPr>
+          <p:spPr>
+            <a:xfrm>
+              <a:off x="469983" y="1053520"/>
+              <a:ext cx="11184988" cy="232187"/>
+            </a:xfrm>
+            <a:prstGeom prst="rect">
+              <a:avLst/>
+            </a:prstGeom>
+            <a:solidFill>
+              <a:srgbClr val="FFFFFF"/>
+            </a:solidFill>
+            <a:ln>
+              <a:noFill/>
+            </a:ln>
+          </p:spPr>
+          <p:style>
+            <a:lnRef idx="2">
+              <a:schemeClr val="accent1">
+                <a:shade val="50000"/>
+              </a:schemeClr>
+            </a:lnRef>
+            <a:fillRef idx="1">
+              <a:schemeClr val="accent1"/>
+            </a:fillRef>
+            <a:effectRef idx="0">
+              <a:schemeClr val="accent1"/>
+            </a:effectRef>
+            <a:fontRef idx="minor">
+              <a:schemeClr val="lt1"/>
+            </a:fontRef>
+          </p:style>
+          <p:txBody>
+            <a:bodyPr rtlCol="0" anchor="ctr"/>
+            <a:lstStyle/>
+            <a:p>
+              <a:pPr algn="ctr"/>
+              <a:endParaRPr lang="en-US"/>
+            </a:p>
+          </p:txBody>
+        </p:sp>
+        <p:sp>
+          <p:nvSpPr>
+            <p:cNvPr id="12" name="Rectangle 11">
+              <a:extLst>
+                <a:ext uri="{FF2B5EF4-FFF2-40B4-BE49-F238E27FC236}">
+                  <a16:creationId xmlns:a16="http://schemas.microsoft.com/office/drawing/2014/main" id="{C8190C8E-9B14-DF4A-908A-036551E96218}"/>
+                </a:ext>
+              </a:extLst>
+            </p:cNvPr>
+            <p:cNvSpPr/>
+            <p:nvPr/>
+          </p:nvSpPr>
+          <p:spPr>
+            <a:xfrm>
+              <a:off x="687008" y="3740742"/>
+              <a:ext cx="2738363" cy="2063737"/>
+            </a:xfrm>
+            <a:prstGeom prst="rect">
+              <a:avLst/>
+            </a:prstGeom>
+            <a:solidFill>
+              <a:srgbClr val="3F0D40"/>
+            </a:solidFill>
+            <a:ln>
+              <a:noFill/>
+            </a:ln>
+          </p:spPr>
+          <p:style>
+            <a:lnRef idx="2">
+              <a:schemeClr val="accent1">
+                <a:shade val="50000"/>
+              </a:schemeClr>
+            </a:lnRef>
+            <a:fillRef idx="1">
+              <a:schemeClr val="accent1"/>
+            </a:fillRef>
+            <a:effectRef idx="0">
+              <a:schemeClr val="accent1"/>
+            </a:effectRef>
+            <a:fontRef idx="minor">
+              <a:schemeClr val="lt1"/>
+            </a:fontRef>
+          </p:style>
+          <p:txBody>
+            <a:bodyPr rtlCol="0" anchor="ctr"/>
+            <a:lstStyle/>
+            <a:p>
+              <a:endParaRPr lang="en-US" dirty="0"/>
+            </a:p>
+          </p:txBody>
+        </p:sp>
+        <p:sp>
+          <p:nvSpPr>
+            <p:cNvPr id="14" name="Oval 13">
+              <a:extLst>
+                <a:ext uri="{FF2B5EF4-FFF2-40B4-BE49-F238E27FC236}">
+                  <a16:creationId xmlns:a16="http://schemas.microsoft.com/office/drawing/2014/main" id="{FA042039-2F77-6348-BFDC-54FAE178CF28}"/>
+                </a:ext>
+              </a:extLst>
+            </p:cNvPr>
+            <p:cNvSpPr/>
+            <p:nvPr/>
+          </p:nvSpPr>
+          <p:spPr>
+            <a:xfrm>
+              <a:off x="2589130" y="2919135"/>
+              <a:ext cx="420414" cy="396246"/>
+            </a:xfrm>
+            <a:prstGeom prst="ellipse">
+              <a:avLst/>
+            </a:prstGeom>
+          </p:spPr>
+          <p:style>
+            <a:lnRef idx="2">
+              <a:schemeClr val="accent1">
+                <a:shade val="50000"/>
+              </a:schemeClr>
+            </a:lnRef>
+            <a:fillRef idx="1">
+              <a:schemeClr val="accent1"/>
+            </a:fillRef>
+            <a:effectRef idx="0">
+              <a:schemeClr val="accent1"/>
+            </a:effectRef>
+            <a:fontRef idx="minor">
+              <a:schemeClr val="lt1"/>
+            </a:fontRef>
+          </p:style>
+          <p:txBody>
+            <a:bodyPr rtlCol="0" anchor="ctr"/>
+            <a:lstStyle/>
+            <a:p>
+              <a:pPr algn="ctr"/>
+              <a:r>
+                <a:rPr lang="en-US" dirty="0"/>
+                <a:t>1</a:t>
+              </a:r>
+            </a:p>
+          </p:txBody>
+        </p:sp>
+        <p:sp>
+          <p:nvSpPr>
+            <p:cNvPr id="15" name="Oval 14">
+              <a:extLst>
+                <a:ext uri="{FF2B5EF4-FFF2-40B4-BE49-F238E27FC236}">
+                  <a16:creationId xmlns:a16="http://schemas.microsoft.com/office/drawing/2014/main" id="{549451FE-A7D6-E046-AF30-BBD2C880E213}"/>
+                </a:ext>
+              </a:extLst>
+            </p:cNvPr>
+            <p:cNvSpPr/>
+            <p:nvPr/>
+          </p:nvSpPr>
+          <p:spPr>
+            <a:xfrm>
+              <a:off x="3425371" y="5317145"/>
+              <a:ext cx="420414" cy="396246"/>
+            </a:xfrm>
+            <a:prstGeom prst="ellipse">
+              <a:avLst/>
+            </a:prstGeom>
+          </p:spPr>
+          <p:style>
+            <a:lnRef idx="2">
+              <a:schemeClr val="accent1">
+                <a:shade val="50000"/>
+              </a:schemeClr>
+            </a:lnRef>
+            <a:fillRef idx="1">
+              <a:schemeClr val="accent1"/>
+            </a:fillRef>
+            <a:effectRef idx="0">
+              <a:schemeClr val="accent1"/>
+            </a:effectRef>
+            <a:fontRef idx="minor">
+              <a:schemeClr val="lt1"/>
+            </a:fontRef>
+          </p:style>
+          <p:txBody>
+            <a:bodyPr rtlCol="0" anchor="ctr"/>
+            <a:lstStyle/>
+            <a:p>
+              <a:pPr algn="ctr"/>
+              <a:r>
+                <a:rPr lang="en-US" dirty="0"/>
+                <a:t>2</a:t>
+              </a:r>
+            </a:p>
+          </p:txBody>
+        </p:sp>
+        <p:sp>
+          <p:nvSpPr>
+            <p:cNvPr id="16" name="Oval 15">
+              <a:extLst>
+                <a:ext uri="{FF2B5EF4-FFF2-40B4-BE49-F238E27FC236}">
+                  <a16:creationId xmlns:a16="http://schemas.microsoft.com/office/drawing/2014/main" id="{13EDE0AA-CBBB-5B4E-9A79-6FF60CD2A8E0}"/>
+                </a:ext>
+              </a:extLst>
+            </p:cNvPr>
+            <p:cNvSpPr/>
+            <p:nvPr/>
+          </p:nvSpPr>
+          <p:spPr>
+            <a:xfrm>
+              <a:off x="10738021" y="6128611"/>
+              <a:ext cx="420414" cy="396246"/>
+            </a:xfrm>
+            <a:prstGeom prst="ellipse">
+              <a:avLst/>
+            </a:prstGeom>
+          </p:spPr>
+          <p:style>
+            <a:lnRef idx="2">
+              <a:schemeClr val="accent1">
+                <a:shade val="50000"/>
+              </a:schemeClr>
+            </a:lnRef>
+            <a:fillRef idx="1">
+              <a:schemeClr val="accent1"/>
+            </a:fillRef>
+            <a:effectRef idx="0">
+              <a:schemeClr val="accent1"/>
+            </a:effectRef>
+            <a:fontRef idx="minor">
+              <a:schemeClr val="lt1"/>
+            </a:fontRef>
+          </p:style>
+          <p:txBody>
+            <a:bodyPr rtlCol="0" anchor="ctr"/>
+            <a:lstStyle/>
+            <a:p>
+              <a:pPr algn="ctr"/>
+              <a:r>
+                <a:rPr lang="en-US" dirty="0"/>
+                <a:t>3</a:t>
+              </a:r>
+            </a:p>
+          </p:txBody>
+        </p:sp>
+        <p:pic>
+          <p:nvPicPr>
+            <p:cNvPr id="17" name="Picture 16">
+              <a:extLst>
+                <a:ext uri="{FF2B5EF4-FFF2-40B4-BE49-F238E27FC236}">
+                  <a16:creationId xmlns:a16="http://schemas.microsoft.com/office/drawing/2014/main" id="{BADCC070-A8D5-C54F-A677-DA1219C9B6AA}"/>
+                </a:ext>
+              </a:extLst>
+            </p:cNvPr>
+            <p:cNvPicPr>
+              <a:picLocks noChangeAspect="1"/>
+            </p:cNvPicPr>
+            <p:nvPr/>
+          </p:nvPicPr>
+          <p:blipFill>
+            <a:blip r:embed="rId3"/>
+            <a:stretch>
+              <a:fillRect/>
+            </a:stretch>
+          </p:blipFill>
+          <p:spPr>
+            <a:xfrm>
+              <a:off x="10681024" y="5660250"/>
+              <a:ext cx="823968" cy="468361"/>
+            </a:xfrm>
+            <a:prstGeom prst="rect">
+              <a:avLst/>
+            </a:prstGeom>
+          </p:spPr>
+        </p:pic>
+        <p:pic>
+          <p:nvPicPr>
+            <p:cNvPr id="2" name="Picture 1">
+              <a:extLst>
+                <a:ext uri="{FF2B5EF4-FFF2-40B4-BE49-F238E27FC236}">
+                  <a16:creationId xmlns:a16="http://schemas.microsoft.com/office/drawing/2014/main" id="{D4161844-4A12-694B-980C-0EFEBC0B3320}"/>
+                </a:ext>
+              </a:extLst>
+            </p:cNvPr>
+            <p:cNvPicPr>
+              <a:picLocks noChangeAspect="1"/>
+            </p:cNvPicPr>
+            <p:nvPr/>
+          </p:nvPicPr>
+          <p:blipFill rotWithShape="1">
+            <a:blip r:embed="rId4"/>
+            <a:srcRect l="8375" b="25720"/>
+            <a:stretch/>
+          </p:blipFill>
+          <p:spPr>
+            <a:xfrm>
+              <a:off x="8268789" y="3633703"/>
+              <a:ext cx="3386182" cy="650914"/>
+            </a:xfrm>
+            <a:prstGeom prst="rect">
+              <a:avLst/>
+            </a:prstGeom>
+          </p:spPr>
+        </p:pic>
+        <p:sp>
+          <p:nvSpPr>
+            <p:cNvPr id="20" name="Oval 19">
+              <a:extLst>
+                <a:ext uri="{FF2B5EF4-FFF2-40B4-BE49-F238E27FC236}">
+                  <a16:creationId xmlns:a16="http://schemas.microsoft.com/office/drawing/2014/main" id="{4C4E1C99-26FE-8240-8CE8-5A63A3321E7B}"/>
+                </a:ext>
+              </a:extLst>
+            </p:cNvPr>
+            <p:cNvSpPr/>
+            <p:nvPr/>
+          </p:nvSpPr>
+          <p:spPr>
+            <a:xfrm>
+              <a:off x="9890873" y="4143212"/>
+              <a:ext cx="420414" cy="396246"/>
+            </a:xfrm>
+            <a:prstGeom prst="ellipse">
+              <a:avLst/>
+            </a:prstGeom>
+          </p:spPr>
+          <p:style>
+            <a:lnRef idx="2">
+              <a:schemeClr val="accent1">
+                <a:shade val="50000"/>
+              </a:schemeClr>
+            </a:lnRef>
+            <a:fillRef idx="1">
+              <a:schemeClr val="accent1"/>
+            </a:fillRef>
+            <a:effectRef idx="0">
+              <a:schemeClr val="accent1"/>
+            </a:effectRef>
+            <a:fontRef idx="minor">
+              <a:schemeClr val="lt1"/>
+            </a:fontRef>
+          </p:style>
+          <p:txBody>
+            <a:bodyPr rtlCol="0" anchor="ctr"/>
+            <a:lstStyle/>
+            <a:p>
+              <a:pPr algn="ctr"/>
+              <a:r>
+                <a:rPr lang="en-US" dirty="0"/>
+                <a:t>4</a:t>
+              </a:r>
+            </a:p>
+          </p:txBody>
+        </p:sp>
+        <p:sp>
+          <p:nvSpPr>
+            <p:cNvPr id="3" name="Rectangle 2">
+              <a:extLst>
+                <a:ext uri="{FF2B5EF4-FFF2-40B4-BE49-F238E27FC236}">
+                  <a16:creationId xmlns:a16="http://schemas.microsoft.com/office/drawing/2014/main" id="{7ED6FCAE-F92D-4045-8F67-E699D4360E2E}"/>
+                </a:ext>
+              </a:extLst>
+            </p:cNvPr>
+            <p:cNvSpPr/>
+            <p:nvPr/>
+          </p:nvSpPr>
+          <p:spPr>
+            <a:xfrm>
+              <a:off x="2455817" y="359269"/>
+              <a:ext cx="8624128" cy="293874"/>
+            </a:xfrm>
+            <a:prstGeom prst="rect">
+              <a:avLst/>
+            </a:prstGeom>
+            <a:solidFill>
+              <a:srgbClr val="DEE1E6"/>
+            </a:solidFill>
+            <a:ln>
+              <a:noFill/>
+            </a:ln>
+          </p:spPr>
+          <p:style>
+            <a:lnRef idx="2">
+              <a:schemeClr val="accent1">
+                <a:shade val="50000"/>
+              </a:schemeClr>
+            </a:lnRef>
+            <a:fillRef idx="1">
+              <a:schemeClr val="accent1"/>
+            </a:fillRef>
+            <a:effectRef idx="0">
+              <a:schemeClr val="accent1"/>
+            </a:effectRef>
+            <a:fontRef idx="minor">
+              <a:schemeClr val="lt1"/>
+            </a:fontRef>
+          </p:style>
+          <p:txBody>
+            <a:bodyPr rtlCol="0" anchor="ctr"/>
+            <a:lstStyle/>
+            <a:p>
+              <a:pPr algn="ctr"/>
+              <a:endParaRPr lang="en-US" dirty="0">
+                <a:highlight>
+                  <a:srgbClr val="FFFF00"/>
+                </a:highlight>
+              </a:endParaRPr>
+            </a:p>
+          </p:txBody>
+        </p:sp>
+      </p:grpSp>
+    </p:spTree>
+    <p:extLst>
+      <p:ext uri="{BB962C8B-B14F-4D97-AF65-F5344CB8AC3E}">
+        <p14:creationId xmlns:p14="http://schemas.microsoft.com/office/powerpoint/2010/main" val="787587661"/>
+      </p:ext>
+    </p:extLst>
+  </p:cSld>
+  <p:clrMapOvr>
+    <a:masterClrMapping/>
+  </p:clrMapOvr>
+</p:sld>
+</file>
+
+<file path=ppt/slides/slide7.xml><?xml version="1.0" encoding="utf-8"?>
+<p:sld xmlns:a="http://schemas.openxmlformats.org/drawingml/2006/main" xmlns:r="http://schemas.openxmlformats.org/officeDocument/2006/relationships" xmlns:p="http://schemas.openxmlformats.org/presentationml/2006/main">
+  <p:cSld>
+    <p:spTree>
+      <p:nvGrpSpPr>
+        <p:cNvPr id="1" name=""/>
+        <p:cNvGrpSpPr/>
+        <p:nvPr/>
+      </p:nvGrpSpPr>
+      <p:grpSpPr>
+        <a:xfrm>
+          <a:off x="0" y="0"/>
+          <a:ext cx="0" cy="0"/>
+          <a:chOff x="0" y="0"/>
+          <a:chExt cx="0" cy="0"/>
+        </a:xfrm>
+      </p:grpSpPr>
+      <p:pic>
+        <p:nvPicPr>
+          <p:cNvPr id="5" name="Content Placeholder 4" descr="Graphical user interface, text, application&#10;&#10;Description automatically generated">
+            <a:extLst>
+              <a:ext uri="{FF2B5EF4-FFF2-40B4-BE49-F238E27FC236}">
+                <a16:creationId xmlns:a16="http://schemas.microsoft.com/office/drawing/2014/main" id="{E8FBB6F6-26BB-2643-ADE6-0FA5EB9E70DE}"/>
+              </a:ext>
+            </a:extLst>
+          </p:cNvPr>
+          <p:cNvPicPr>
+            <a:picLocks noGrp="1" noChangeAspect="1"/>
+          </p:cNvPicPr>
+          <p:nvPr>
+            <p:ph idx="1"/>
+          </p:nvPr>
+        </p:nvPicPr>
+        <p:blipFill>
+          <a:blip r:embed="rId2"/>
+          <a:stretch>
+            <a:fillRect/>
+          </a:stretch>
+        </p:blipFill>
+        <p:spPr>
+          <a:xfrm>
+            <a:off x="2228144" y="1825625"/>
+            <a:ext cx="7735712" cy="4351338"/>
+          </a:xfrm>
+        </p:spPr>
+      </p:pic>
+      <p:pic>
+        <p:nvPicPr>
+          <p:cNvPr id="7" name="Picture 6">
+            <a:extLst>
+              <a:ext uri="{FF2B5EF4-FFF2-40B4-BE49-F238E27FC236}">
+                <a16:creationId xmlns:a16="http://schemas.microsoft.com/office/drawing/2014/main" id="{099C449C-5C18-4F42-8758-3C3CE8F3BC56}"/>
+              </a:ext>
+            </a:extLst>
+          </p:cNvPr>
+          <p:cNvPicPr>
+            <a:picLocks noChangeAspect="1"/>
+          </p:cNvPicPr>
+          <p:nvPr/>
+        </p:nvPicPr>
+        <p:blipFill>
+          <a:blip r:embed="rId3"/>
+          <a:stretch>
+            <a:fillRect/>
+          </a:stretch>
+        </p:blipFill>
+        <p:spPr>
+          <a:xfrm>
+            <a:off x="2562951" y="2257978"/>
+            <a:ext cx="3533049" cy="1759697"/>
+          </a:xfrm>
+          <a:prstGeom prst="rect">
+            <a:avLst/>
+          </a:prstGeom>
+        </p:spPr>
+      </p:pic>
+      <p:pic>
+        <p:nvPicPr>
+          <p:cNvPr id="9" name="Picture 8">
+            <a:extLst>
+              <a:ext uri="{FF2B5EF4-FFF2-40B4-BE49-F238E27FC236}">
+                <a16:creationId xmlns:a16="http://schemas.microsoft.com/office/drawing/2014/main" id="{56E12C95-F9AD-7F4B-BD34-34BFD92AAC63}"/>
+              </a:ext>
+            </a:extLst>
+          </p:cNvPr>
+          <p:cNvPicPr>
+            <a:picLocks noChangeAspect="1"/>
+          </p:cNvPicPr>
+          <p:nvPr/>
+        </p:nvPicPr>
+        <p:blipFill>
+          <a:blip r:embed="rId4"/>
+          <a:stretch>
+            <a:fillRect/>
+          </a:stretch>
+        </p:blipFill>
+        <p:spPr>
+          <a:xfrm>
+            <a:off x="2267479" y="3719192"/>
+            <a:ext cx="3872742" cy="376586"/>
+          </a:xfrm>
+          <a:prstGeom prst="rect">
+            <a:avLst/>
+          </a:prstGeom>
+        </p:spPr>
+      </p:pic>
+      <p:sp>
+        <p:nvSpPr>
+          <p:cNvPr id="13" name="Rectangle 12">
+            <a:extLst>
+              <a:ext uri="{FF2B5EF4-FFF2-40B4-BE49-F238E27FC236}">
+                <a16:creationId xmlns:a16="http://schemas.microsoft.com/office/drawing/2014/main" id="{66C20E10-EFCF-F448-8106-2B84E8BED38F}"/>
+              </a:ext>
+            </a:extLst>
+          </p:cNvPr>
+          <p:cNvSpPr/>
+          <p:nvPr/>
+        </p:nvSpPr>
+        <p:spPr>
+          <a:xfrm>
+            <a:off x="3464157" y="3719192"/>
+            <a:ext cx="543717" cy="370305"/>
+          </a:xfrm>
+          <a:prstGeom prst="rect">
+            <a:avLst/>
+          </a:prstGeom>
+          <a:solidFill>
+            <a:srgbClr val="1B1B1B"/>
+          </a:solidFill>
+          <a:ln>
+            <a:noFill/>
+          </a:ln>
+        </p:spPr>
+        <p:style>
+          <a:lnRef idx="2">
+            <a:schemeClr val="accent1">
+              <a:shade val="50000"/>
+            </a:schemeClr>
+          </a:lnRef>
+          <a:fillRef idx="1">
+            <a:schemeClr val="accent1"/>
+          </a:fillRef>
+          <a:effectRef idx="0">
+            <a:schemeClr val="accent1"/>
+          </a:effectRef>
+          <a:fontRef idx="minor">
+            <a:schemeClr val="lt1"/>
+          </a:fontRef>
+        </p:style>
+        <p:txBody>
+          <a:bodyPr rtlCol="0" anchor="ctr"/>
+          <a:lstStyle/>
+          <a:p>
+            <a:pPr algn="ctr"/>
+            <a:endParaRPr lang="en-US"/>
+          </a:p>
+        </p:txBody>
+      </p:sp>
+      <p:sp>
+        <p:nvSpPr>
+          <p:cNvPr id="14" name="Rectangle 13">
+            <a:extLst>
+              <a:ext uri="{FF2B5EF4-FFF2-40B4-BE49-F238E27FC236}">
+                <a16:creationId xmlns:a16="http://schemas.microsoft.com/office/drawing/2014/main" id="{683431C1-786F-944A-8299-A4D53026F98D}"/>
+              </a:ext>
+            </a:extLst>
+          </p:cNvPr>
+          <p:cNvSpPr/>
+          <p:nvPr/>
+        </p:nvSpPr>
+        <p:spPr>
+          <a:xfrm>
+            <a:off x="4530330" y="3719652"/>
+            <a:ext cx="543717" cy="370305"/>
+          </a:xfrm>
+          <a:prstGeom prst="rect">
+            <a:avLst/>
+          </a:prstGeom>
+          <a:solidFill>
+            <a:srgbClr val="1B1B1B"/>
+          </a:solidFill>
+          <a:ln>
+            <a:noFill/>
+          </a:ln>
+        </p:spPr>
+        <p:style>
+          <a:lnRef idx="2">
+            <a:schemeClr val="accent1">
+              <a:shade val="50000"/>
+            </a:schemeClr>
+          </a:lnRef>
+          <a:fillRef idx="1">
+            <a:schemeClr val="accent1"/>
+          </a:fillRef>
+          <a:effectRef idx="0">
+            <a:schemeClr val="accent1"/>
+          </a:effectRef>
+          <a:fontRef idx="minor">
+            <a:schemeClr val="lt1"/>
+          </a:fontRef>
+        </p:style>
+        <p:txBody>
+          <a:bodyPr rtlCol="0" anchor="ctr"/>
+          <a:lstStyle/>
+          <a:p>
+            <a:pPr algn="ctr"/>
+            <a:endParaRPr lang="en-US"/>
+          </a:p>
+        </p:txBody>
+      </p:sp>
+      <p:sp>
+        <p:nvSpPr>
+          <p:cNvPr id="15" name="Rectangle 14">
+            <a:extLst>
+              <a:ext uri="{FF2B5EF4-FFF2-40B4-BE49-F238E27FC236}">
+                <a16:creationId xmlns:a16="http://schemas.microsoft.com/office/drawing/2014/main" id="{23744E5C-7235-FD49-AF16-F53ED5B47473}"/>
+              </a:ext>
+            </a:extLst>
+          </p:cNvPr>
+          <p:cNvSpPr/>
+          <p:nvPr/>
+        </p:nvSpPr>
+        <p:spPr>
+          <a:xfrm>
+            <a:off x="4323709" y="3761910"/>
+            <a:ext cx="108431" cy="133639"/>
+          </a:xfrm>
+          <a:prstGeom prst="rect">
+            <a:avLst/>
+          </a:prstGeom>
+          <a:solidFill>
+            <a:srgbClr val="1B1B1B"/>
+          </a:solidFill>
+          <a:ln>
+            <a:noFill/>
+          </a:ln>
+        </p:spPr>
+        <p:style>
+          <a:lnRef idx="2">
+            <a:schemeClr val="accent1">
+              <a:shade val="50000"/>
+            </a:schemeClr>
+          </a:lnRef>
+          <a:fillRef idx="1">
+            <a:schemeClr val="accent1"/>
+          </a:fillRef>
+          <a:effectRef idx="0">
+            <a:schemeClr val="accent1"/>
+          </a:effectRef>
+          <a:fontRef idx="minor">
+            <a:schemeClr val="lt1"/>
+          </a:fontRef>
+        </p:style>
+        <p:txBody>
+          <a:bodyPr rtlCol="0" anchor="ctr"/>
+          <a:lstStyle/>
+          <a:p>
+            <a:pPr algn="ctr"/>
+            <a:endParaRPr lang="en-US"/>
+          </a:p>
+        </p:txBody>
+      </p:sp>
+    </p:spTree>
+    <p:extLst>
+      <p:ext uri="{BB962C8B-B14F-4D97-AF65-F5344CB8AC3E}">
+        <p14:creationId xmlns:p14="http://schemas.microsoft.com/office/powerpoint/2010/main" val="2211529589"/>
+      </p:ext>
+    </p:extLst>
+  </p:cSld>
+  <p:clrMapOvr>
+    <a:masterClrMapping/>
+  </p:clrMapOvr>
+</p:sld>
+</file>
+
+<file path=ppt/slides/slide8.xml><?xml version="1.0" encoding="utf-8"?>
+<p:sld xmlns:a="http://schemas.openxmlformats.org/drawingml/2006/main" xmlns:r="http://schemas.openxmlformats.org/officeDocument/2006/relationships" xmlns:p="http://schemas.openxmlformats.org/presentationml/2006/main">
+  <p:cSld>
+    <p:spTree>
+      <p:nvGrpSpPr>
+        <p:cNvPr id="1" name=""/>
+        <p:cNvGrpSpPr/>
+        <p:nvPr/>
+      </p:nvGrpSpPr>
+      <p:grpSpPr>
+        <a:xfrm>
+          <a:off x="0" y="0"/>
+          <a:ext cx="0" cy="0"/>
+          <a:chOff x="0" y="0"/>
+          <a:chExt cx="0" cy="0"/>
+        </a:xfrm>
+      </p:grpSpPr>
+      <p:sp>
+        <p:nvSpPr>
+          <p:cNvPr id="2" name="Title 1">
+            <a:extLst>
+              <a:ext uri="{FF2B5EF4-FFF2-40B4-BE49-F238E27FC236}">
+                <a16:creationId xmlns:a16="http://schemas.microsoft.com/office/drawing/2014/main" id="{26B57D99-6792-A04B-BED6-6C2CE987D75F}"/>
+              </a:ext>
+            </a:extLst>
+          </p:cNvPr>
+          <p:cNvSpPr>
+            <a:spLocks noGrp="1"/>
+          </p:cNvSpPr>
+          <p:nvPr>
+            <p:ph type="title"/>
+          </p:nvPr>
+        </p:nvSpPr>
+        <p:spPr/>
+        <p:txBody>
+          <a:bodyPr/>
+          <a:lstStyle/>
+          <a:p>
+            <a:endParaRPr lang="en-US"/>
+          </a:p>
+        </p:txBody>
+      </p:sp>
+      <p:pic>
+        <p:nvPicPr>
+          <p:cNvPr id="5" name="Content Placeholder 4" descr="Graphical user interface, text, application&#10;&#10;Description automatically generated">
+            <a:extLst>
+              <a:ext uri="{FF2B5EF4-FFF2-40B4-BE49-F238E27FC236}">
+                <a16:creationId xmlns:a16="http://schemas.microsoft.com/office/drawing/2014/main" id="{7510DAEA-7E99-274C-9984-1EDC7B682CB7}"/>
+              </a:ext>
+            </a:extLst>
+          </p:cNvPr>
+          <p:cNvPicPr>
+            <a:picLocks noGrp="1" noChangeAspect="1"/>
+          </p:cNvPicPr>
+          <p:nvPr>
+            <p:ph idx="1"/>
+          </p:nvPr>
+        </p:nvPicPr>
+        <p:blipFill>
+          <a:blip r:embed="rId2"/>
+          <a:stretch>
+            <a:fillRect/>
+          </a:stretch>
+        </p:blipFill>
+        <p:spPr>
+          <a:xfrm>
+            <a:off x="2228144" y="1825625"/>
+            <a:ext cx="7735712" cy="4351338"/>
+          </a:xfrm>
+        </p:spPr>
+      </p:pic>
+    </p:spTree>
+    <p:extLst>
+      <p:ext uri="{BB962C8B-B14F-4D97-AF65-F5344CB8AC3E}">
+        <p14:creationId xmlns:p14="http://schemas.microsoft.com/office/powerpoint/2010/main" val="3152210349"/>
       </p:ext>
     </p:extLst>
   </p:cSld>
